--- a/Documentation/PPT/HighProfileSecurityDrone.pptx
+++ b/Documentation/PPT/HighProfileSecurityDrone.pptx
@@ -5,7 +5,7 @@
     <p:sldMasterId id="2147483648" r:id="rId4"/>
   </p:sldMasterIdLst>
   <p:notesMasterIdLst>
-    <p:notesMasterId r:id="rId17"/>
+    <p:notesMasterId r:id="rId16"/>
   </p:notesMasterIdLst>
   <p:sldIdLst>
     <p:sldId id="256" r:id="rId5"/>
@@ -17,9 +17,8 @@
     <p:sldId id="281" r:id="rId11"/>
     <p:sldId id="278" r:id="rId12"/>
     <p:sldId id="279" r:id="rId13"/>
-    <p:sldId id="286" r:id="rId14"/>
-    <p:sldId id="259" r:id="rId15"/>
-    <p:sldId id="266" r:id="rId16"/>
+    <p:sldId id="259" r:id="rId14"/>
+    <p:sldId id="266" r:id="rId15"/>
   </p:sldIdLst>
   <p:sldSz cx="12192000" cy="6858000"/>
   <p:notesSz cx="6858000" cy="9144000"/>
@@ -3009,7 +3008,7 @@
           <a:p>
             <a:fld id="{C452ADB1-275D-430A-89EE-5C7E6CFF6FF2}" type="datetimeFigureOut">
               <a:rPr lang="en-US" smtClean="0"/>
-              <a:t>1/4/2023</a:t>
+              <a:t>3/10/2023</a:t>
             </a:fld>
             <a:endParaRPr lang="en-US" dirty="0"/>
           </a:p>
@@ -12173,7 +12172,7 @@
           <a:p>
             <a:fld id="{7005E26E-BCB2-4FD5-8FD5-81A5EAE94C21}" type="datetime1">
               <a:rPr lang="en-US" smtClean="0"/>
-              <a:t>1/4/2023</a:t>
+              <a:t>3/10/2023</a:t>
             </a:fld>
             <a:endParaRPr lang="en-US" dirty="0"/>
           </a:p>
@@ -12375,7 +12374,7 @@
           <a:p>
             <a:fld id="{9CC2E9B8-0487-42E4-B571-744A3D775783}" type="datetime1">
               <a:rPr lang="en-US" smtClean="0"/>
-              <a:t>1/4/2023</a:t>
+              <a:t>3/10/2023</a:t>
             </a:fld>
             <a:endParaRPr lang="en-US" dirty="0"/>
           </a:p>
@@ -12550,7 +12549,7 @@
           <a:p>
             <a:fld id="{9052E32D-1E84-43FD-8158-FFFE757EB0E8}" type="datetime1">
               <a:rPr lang="en-US" smtClean="0"/>
-              <a:t>1/4/2023</a:t>
+              <a:t>3/10/2023</a:t>
             </a:fld>
             <a:endParaRPr lang="en-US" dirty="0"/>
           </a:p>
@@ -12750,7 +12749,7 @@
           <a:p>
             <a:fld id="{8585C470-CD19-455C-B830-6D252EAD7FE5}" type="datetime1">
               <a:rPr lang="en-US" smtClean="0"/>
-              <a:t>1/4/2023</a:t>
+              <a:t>3/10/2023</a:t>
             </a:fld>
             <a:endParaRPr lang="en-US" dirty="0"/>
           </a:p>
@@ -21643,7 +21642,7 @@
           <a:p>
             <a:fld id="{7F85C43C-50D9-4F49-A136-0EFF292F93ED}" type="datetime1">
               <a:rPr lang="en-US" smtClean="0"/>
-              <a:t>1/4/2023</a:t>
+              <a:t>3/10/2023</a:t>
             </a:fld>
             <a:endParaRPr lang="en-US" dirty="0"/>
           </a:p>
@@ -21912,7 +21911,7 @@
           <a:p>
             <a:fld id="{7B53B1A3-0AEF-4064-A724-D27D660C8653}" type="datetime1">
               <a:rPr lang="en-US" smtClean="0"/>
-              <a:t>1/4/2023</a:t>
+              <a:t>3/10/2023</a:t>
             </a:fld>
             <a:endParaRPr lang="en-US" dirty="0"/>
           </a:p>
@@ -22305,7 +22304,7 @@
           <a:p>
             <a:fld id="{37D5D0F2-BF66-4A24-9384-A0129B196518}" type="datetime1">
               <a:rPr lang="en-US" smtClean="0"/>
-              <a:t>1/4/2023</a:t>
+              <a:t>3/10/2023</a:t>
             </a:fld>
             <a:endParaRPr lang="en-US" dirty="0"/>
           </a:p>
@@ -22418,7 +22417,7 @@
           <a:p>
             <a:fld id="{8C318A6C-4F6B-48D2-BDB0-D7413B3FDB0A}" type="datetime1">
               <a:rPr lang="en-US" smtClean="0"/>
-              <a:t>1/4/2023</a:t>
+              <a:t>3/10/2023</a:t>
             </a:fld>
             <a:endParaRPr lang="en-US" dirty="0"/>
           </a:p>
@@ -22508,7 +22507,7 @@
           <a:p>
             <a:fld id="{BF01ECED-6ECE-4989-B917-9D4D7E6D3C76}" type="datetime1">
               <a:rPr lang="en-US" smtClean="0"/>
-              <a:t>1/4/2023</a:t>
+              <a:t>3/10/2023</a:t>
             </a:fld>
             <a:endParaRPr lang="en-US" dirty="0"/>
           </a:p>
@@ -22793,7 +22792,7 @@
           <a:p>
             <a:fld id="{E3B570E1-CB40-488E-8C6F-EF4211DFFCB0}" type="datetime1">
               <a:rPr lang="en-US" smtClean="0"/>
-              <a:t>1/4/2023</a:t>
+              <a:t>3/10/2023</a:t>
             </a:fld>
             <a:endParaRPr lang="en-US" dirty="0"/>
           </a:p>
@@ -23068,7 +23067,7 @@
           <a:p>
             <a:fld id="{D1CEB6AF-9F5C-43BE-879E-CB9514111250}" type="datetime1">
               <a:rPr lang="en-US" smtClean="0"/>
-              <a:t>1/4/2023</a:t>
+              <a:t>3/10/2023</a:t>
             </a:fld>
             <a:endParaRPr lang="en-US" dirty="0"/>
           </a:p>
@@ -23313,7 +23312,7 @@
           <a:p>
             <a:fld id="{E7EE424C-FCA3-4EDD-B274-8E055D649B7D}" type="datetime1">
               <a:rPr lang="en-US" smtClean="0"/>
-              <a:t>1/4/2023</a:t>
+              <a:t>3/10/2023</a:t>
             </a:fld>
             <a:endParaRPr lang="en-US" dirty="0"/>
           </a:p>
@@ -24144,89 +24143,6 @@
           <p:cNvPr id="2" name="Title 1">
             <a:extLst>
               <a:ext uri="{FF2B5EF4-FFF2-40B4-BE49-F238E27FC236}">
-                <a16:creationId xmlns:a16="http://schemas.microsoft.com/office/drawing/2014/main" id="{AD71F25B-DB6A-04DB-B7DF-9A6BC37E26B8}"/>
-              </a:ext>
-            </a:extLst>
-          </p:cNvPr>
-          <p:cNvSpPr>
-            <a:spLocks noGrp="1"/>
-          </p:cNvSpPr>
-          <p:nvPr>
-            <p:ph type="title"/>
-          </p:nvPr>
-        </p:nvSpPr>
-        <p:spPr/>
-        <p:txBody>
-          <a:bodyPr/>
-          <a:lstStyle/>
-          <a:p>
-            <a:r>
-              <a:rPr lang="en-IN" dirty="0"/>
-              <a:t>prototype</a:t>
-            </a:r>
-          </a:p>
-        </p:txBody>
-      </p:sp>
-      <p:sp>
-        <p:nvSpPr>
-          <p:cNvPr id="3" name="Content Placeholder 2">
-            <a:extLst>
-              <a:ext uri="{FF2B5EF4-FFF2-40B4-BE49-F238E27FC236}">
-                <a16:creationId xmlns:a16="http://schemas.microsoft.com/office/drawing/2014/main" id="{F2BE4E2C-F43D-B573-EBB4-1AA768FBBE5B}"/>
-              </a:ext>
-            </a:extLst>
-          </p:cNvPr>
-          <p:cNvSpPr>
-            <a:spLocks noGrp="1"/>
-          </p:cNvSpPr>
-          <p:nvPr>
-            <p:ph idx="1"/>
-          </p:nvPr>
-        </p:nvSpPr>
-        <p:spPr/>
-        <p:txBody>
-          <a:bodyPr/>
-          <a:lstStyle/>
-          <a:p>
-            <a:endParaRPr lang="en-IN"/>
-          </a:p>
-        </p:txBody>
-      </p:sp>
-    </p:spTree>
-    <p:extLst>
-      <p:ext uri="{BB962C8B-B14F-4D97-AF65-F5344CB8AC3E}">
-        <p14:creationId xmlns:p14="http://schemas.microsoft.com/office/powerpoint/2010/main" val="3435469904"/>
-      </p:ext>
-    </p:extLst>
-  </p:cSld>
-  <p:clrMapOvr>
-    <a:masterClrMapping/>
-  </p:clrMapOvr>
-</p:sld>
-</file>
-
-<file path=ppt/slides/slide11.xml><?xml version="1.0" encoding="utf-8"?>
-<p:sld xmlns:a="http://schemas.openxmlformats.org/drawingml/2006/main" xmlns:r="http://schemas.openxmlformats.org/officeDocument/2006/relationships" xmlns:p="http://schemas.openxmlformats.org/presentationml/2006/main">
-  <p:cSld>
-    <p:spTree>
-      <p:nvGrpSpPr>
-        <p:cNvPr id="1" name=""/>
-        <p:cNvGrpSpPr/>
-        <p:nvPr/>
-      </p:nvGrpSpPr>
-      <p:grpSpPr>
-        <a:xfrm>
-          <a:off x="0" y="0"/>
-          <a:ext cx="0" cy="0"/>
-          <a:chOff x="0" y="0"/>
-          <a:chExt cx="0" cy="0"/>
-        </a:xfrm>
-      </p:grpSpPr>
-      <p:sp>
-        <p:nvSpPr>
-          <p:cNvPr id="2" name="Title 1">
-            <a:extLst>
-              <a:ext uri="{FF2B5EF4-FFF2-40B4-BE49-F238E27FC236}">
                 <a16:creationId xmlns:a16="http://schemas.microsoft.com/office/drawing/2014/main" id="{7B59FD6B-3D44-2D79-BCED-F070BC5BCCDD}"/>
               </a:ext>
             </a:extLst>
@@ -24482,7 +24398,7 @@
 </p:sld>
 </file>
 
-<file path=ppt/slides/slide12.xml><?xml version="1.0" encoding="utf-8"?>
+<file path=ppt/slides/slide11.xml><?xml version="1.0" encoding="utf-8"?>
 <p:sld xmlns:a="http://schemas.openxmlformats.org/drawingml/2006/main" xmlns:r="http://schemas.openxmlformats.org/officeDocument/2006/relationships" xmlns:p="http://schemas.openxmlformats.org/presentationml/2006/main">
   <p:cSld>
     <p:spTree>
@@ -34199,6 +34115,14 @@
 </file>
 
 <file path=customXml/item1.xml><?xml version="1.0" encoding="utf-8"?>
+<p:properties xmlns:p="http://schemas.microsoft.com/office/2006/metadata/properties" xmlns:xsi="http://www.w3.org/2001/XMLSchema-instance" xmlns:pc="http://schemas.microsoft.com/office/infopath/2007/PartnerControls">
+  <documentManagement>
+    <MediaServiceKeyPoints xmlns="71af3243-3dd4-4a8d-8c0d-dd76da1f02a5" xsi:nil="true"/>
+  </documentManagement>
+</p:properties>
+</file>
+
+<file path=customXml/item2.xml><?xml version="1.0" encoding="utf-8"?>
 <ct:contentTypeSchema xmlns:ct="http://schemas.microsoft.com/office/2006/metadata/contentType" xmlns:ma="http://schemas.microsoft.com/office/2006/metadata/properties/metaAttributes" ct:_="" ma:_="" ma:contentTypeName="Document" ma:contentTypeID="0x01010079F111ED35F8CC479449609E8A0923A6" ma:contentTypeVersion="11" ma:contentTypeDescription="Create a new document." ma:contentTypeScope="" ma:versionID="9677210f24a1be23c92c90fd886aa0aa">
   <xsd:schema xmlns:xsd="http://www.w3.org/2001/XMLSchema" xmlns:xs="http://www.w3.org/2001/XMLSchema" xmlns:p="http://schemas.microsoft.com/office/2006/metadata/properties" xmlns:ns2="71af3243-3dd4-4a8d-8c0d-dd76da1f02a5" xmlns:ns3="16c05727-aa75-4e4a-9b5f-8a80a1165891" targetNamespace="http://schemas.microsoft.com/office/2006/metadata/properties" ma:root="true" ma:fieldsID="60e05723c5c1908df1a1a4ebf11d344e" ns2:_="" ns3:_="">
     <xsd:import namespace="71af3243-3dd4-4a8d-8c0d-dd76da1f02a5"/>
@@ -34409,14 +34333,6 @@
 </ct:contentTypeSchema>
 </file>
 
-<file path=customXml/item2.xml><?xml version="1.0" encoding="utf-8"?>
-<p:properties xmlns:p="http://schemas.microsoft.com/office/2006/metadata/properties" xmlns:xsi="http://www.w3.org/2001/XMLSchema-instance" xmlns:pc="http://schemas.microsoft.com/office/infopath/2007/PartnerControls">
-  <documentManagement>
-    <MediaServiceKeyPoints xmlns="71af3243-3dd4-4a8d-8c0d-dd76da1f02a5" xsi:nil="true"/>
-  </documentManagement>
-</p:properties>
-</file>
-
 <file path=customXml/item3.xml><?xml version="1.0" encoding="utf-8"?>
 <?mso-contentType ?>
 <FormTemplates xmlns="http://schemas.microsoft.com/sharepoint/v3/contenttype/forms">
@@ -34427,6 +34343,23 @@
 </file>
 
 <file path=customXml/itemProps1.xml><?xml version="1.0" encoding="utf-8"?>
+<ds:datastoreItem xmlns:ds="http://schemas.openxmlformats.org/officeDocument/2006/customXml" ds:itemID="{788A2F88-55C5-4ED1-9541-807C65424763}">
+  <ds:schemaRefs>
+    <ds:schemaRef ds:uri="http://schemas.openxmlformats.org/package/2006/metadata/core-properties"/>
+    <ds:schemaRef ds:uri="16c05727-aa75-4e4a-9b5f-8a80a1165891"/>
+    <ds:schemaRef ds:uri="http://purl.org/dc/elements/1.1/"/>
+    <ds:schemaRef ds:uri="http://schemas.microsoft.com/office/2006/documentManagement/types"/>
+    <ds:schemaRef ds:uri="71af3243-3dd4-4a8d-8c0d-dd76da1f02a5"/>
+    <ds:schemaRef ds:uri="http://purl.org/dc/terms/"/>
+    <ds:schemaRef ds:uri="http://purl.org/dc/dcmitype/"/>
+    <ds:schemaRef ds:uri="http://schemas.microsoft.com/office/infopath/2007/PartnerControls"/>
+    <ds:schemaRef ds:uri="http://schemas.microsoft.com/office/2006/metadata/properties"/>
+    <ds:schemaRef ds:uri="http://www.w3.org/XML/1998/namespace"/>
+  </ds:schemaRefs>
+</ds:datastoreItem>
+</file>
+
+<file path=customXml/itemProps2.xml><?xml version="1.0" encoding="utf-8"?>
 <ds:datastoreItem xmlns:ds="http://schemas.openxmlformats.org/officeDocument/2006/customXml" ds:itemID="{B61EAB5F-88FC-4FAE-AE3C-037A3C365EB8}">
   <ds:schemaRefs>
     <ds:schemaRef ds:uri="http://schemas.microsoft.com/office/2006/metadata/contentType"/>
@@ -34445,23 +34378,6 @@
 </ds:datastoreItem>
 </file>
 
-<file path=customXml/itemProps2.xml><?xml version="1.0" encoding="utf-8"?>
-<ds:datastoreItem xmlns:ds="http://schemas.openxmlformats.org/officeDocument/2006/customXml" ds:itemID="{788A2F88-55C5-4ED1-9541-807C65424763}">
-  <ds:schemaRefs>
-    <ds:schemaRef ds:uri="http://schemas.openxmlformats.org/package/2006/metadata/core-properties"/>
-    <ds:schemaRef ds:uri="16c05727-aa75-4e4a-9b5f-8a80a1165891"/>
-    <ds:schemaRef ds:uri="http://purl.org/dc/elements/1.1/"/>
-    <ds:schemaRef ds:uri="http://schemas.microsoft.com/office/2006/documentManagement/types"/>
-    <ds:schemaRef ds:uri="71af3243-3dd4-4a8d-8c0d-dd76da1f02a5"/>
-    <ds:schemaRef ds:uri="http://purl.org/dc/terms/"/>
-    <ds:schemaRef ds:uri="http://purl.org/dc/dcmitype/"/>
-    <ds:schemaRef ds:uri="http://schemas.microsoft.com/office/infopath/2007/PartnerControls"/>
-    <ds:schemaRef ds:uri="http://schemas.microsoft.com/office/2006/metadata/properties"/>
-    <ds:schemaRef ds:uri="http://www.w3.org/XML/1998/namespace"/>
-  </ds:schemaRefs>
-</ds:datastoreItem>
-</file>
-
 <file path=customXml/itemProps3.xml><?xml version="1.0" encoding="utf-8"?>
 <ds:datastoreItem xmlns:ds="http://schemas.openxmlformats.org/officeDocument/2006/customXml" ds:itemID="{4F44C90D-2A62-4985-9618-3460247437B1}">
   <ds:schemaRefs>
